--- a/lesson07.pptx
+++ b/lesson07.pptx
@@ -25,7 +25,7 @@
     <p:sldId id="356" r:id="rId16"/>
     <p:sldId id="347" r:id="rId17"/>
     <p:sldId id="357" r:id="rId18"/>
-    <p:sldId id="350" r:id="rId19"/>
+    <p:sldId id="383" r:id="rId19"/>
     <p:sldId id="351" r:id="rId20"/>
   </p:sldIdLst>
   <p:sldSz cx="12192000" cy="6858000"/>
@@ -147,7 +147,7 @@
             <p14:sldId id="356"/>
             <p14:sldId id="347"/>
             <p14:sldId id="357"/>
-            <p14:sldId id="350"/>
+            <p14:sldId id="383"/>
             <p14:sldId id="351"/>
           </p14:sldIdLst>
         </p14:section>
@@ -181,6 +181,14 @@
     </p:extLst>
   </p:cmAuthor>
 </p:cmAuthorLst>
+</file>
+
+<file path=ppt/revisionInfo.xml><?xml version="1.0" encoding="utf-8"?>
+<p1510:revInfo xmlns:a="http://schemas.openxmlformats.org/drawingml/2006/main" xmlns:r="http://schemas.openxmlformats.org/officeDocument/2006/relationships" xmlns:p1510="http://schemas.microsoft.com/office/powerpoint/2015/10/main">
+  <p1510:revLst>
+    <p1510:client id="{909702A4-D7D3-49E8-8D6B-EFAA5350E315}" v="11" dt="2021-12-24T13:25:09.338"/>
+  </p1510:revLst>
+</p1510:revInfo>
 </file>
 
 <file path=ppt/changesInfos/changesInfo1.xml><?xml version="1.0" encoding="utf-8"?>
@@ -270,11 +278,81 @@
   </pc:docChgLst>
   <pc:docChgLst>
     <pc:chgData name="Anatoliy Kigel" userId="7432c6c4687b0a9c" providerId="LiveId" clId="{909702A4-D7D3-49E8-8D6B-EFAA5350E315}"/>
-    <pc:docChg chg="modSld">
-      <pc:chgData name="Anatoliy Kigel" userId="7432c6c4687b0a9c" providerId="LiveId" clId="{909702A4-D7D3-49E8-8D6B-EFAA5350E315}" dt="2021-12-22T11:47:17.219" v="2" actId="20577"/>
+    <pc:docChg chg="undo custSel addSld delSld modSld modSection">
+      <pc:chgData name="Anatoliy Kigel" userId="7432c6c4687b0a9c" providerId="LiveId" clId="{909702A4-D7D3-49E8-8D6B-EFAA5350E315}" dt="2021-12-24T13:25:46.835" v="163" actId="207"/>
       <pc:docMkLst>
         <pc:docMk/>
       </pc:docMkLst>
+      <pc:sldChg chg="del">
+        <pc:chgData name="Anatoliy Kigel" userId="7432c6c4687b0a9c" providerId="LiveId" clId="{909702A4-D7D3-49E8-8D6B-EFAA5350E315}" dt="2021-12-24T13:24:37.171" v="46" actId="47"/>
+        <pc:sldMkLst>
+          <pc:docMk/>
+          <pc:sldMk cId="84322468" sldId="350"/>
+        </pc:sldMkLst>
+      </pc:sldChg>
+      <pc:sldChg chg="addSp delSp modSp mod setBg">
+        <pc:chgData name="Anatoliy Kigel" userId="7432c6c4687b0a9c" providerId="LiveId" clId="{909702A4-D7D3-49E8-8D6B-EFAA5350E315}" dt="2021-12-24T13:25:46.835" v="163" actId="207"/>
+        <pc:sldMkLst>
+          <pc:docMk/>
+          <pc:sldMk cId="3817691058" sldId="351"/>
+        </pc:sldMkLst>
+        <pc:spChg chg="add mod">
+          <ac:chgData name="Anatoliy Kigel" userId="7432c6c4687b0a9c" providerId="LiveId" clId="{909702A4-D7D3-49E8-8D6B-EFAA5350E315}" dt="2021-12-24T13:25:46.835" v="163" actId="207"/>
+          <ac:spMkLst>
+            <pc:docMk/>
+            <pc:sldMk cId="3817691058" sldId="351"/>
+            <ac:spMk id="5" creationId="{7EC14DF4-9E6D-42B8-9BD5-9EE442ED248E}"/>
+          </ac:spMkLst>
+        </pc:spChg>
+        <pc:spChg chg="del mod">
+          <ac:chgData name="Anatoliy Kigel" userId="7432c6c4687b0a9c" providerId="LiveId" clId="{909702A4-D7D3-49E8-8D6B-EFAA5350E315}" dt="2021-12-24T13:22:57.140" v="34" actId="21"/>
+          <ac:spMkLst>
+            <pc:docMk/>
+            <pc:sldMk cId="3817691058" sldId="351"/>
+            <ac:spMk id="9" creationId="{00000000-0000-0000-0000-000000000000}"/>
+          </ac:spMkLst>
+        </pc:spChg>
+        <pc:spChg chg="del">
+          <ac:chgData name="Anatoliy Kigel" userId="7432c6c4687b0a9c" providerId="LiveId" clId="{909702A4-D7D3-49E8-8D6B-EFAA5350E315}" dt="2021-12-24T13:22:50.692" v="31" actId="478"/>
+          <ac:spMkLst>
+            <pc:docMk/>
+            <pc:sldMk cId="3817691058" sldId="351"/>
+            <ac:spMk id="10" creationId="{00000000-0000-0000-0000-000000000000}"/>
+          </ac:spMkLst>
+        </pc:spChg>
+        <pc:spChg chg="add mod">
+          <ac:chgData name="Anatoliy Kigel" userId="7432c6c4687b0a9c" providerId="LiveId" clId="{909702A4-D7D3-49E8-8D6B-EFAA5350E315}" dt="2021-12-24T13:25:39.995" v="161" actId="207"/>
+          <ac:spMkLst>
+            <pc:docMk/>
+            <pc:sldMk cId="3817691058" sldId="351"/>
+            <ac:spMk id="11" creationId="{7C2FD737-DF63-4270-BD53-CEB40454B360}"/>
+          </ac:spMkLst>
+        </pc:spChg>
+        <pc:spChg chg="del">
+          <ac:chgData name="Anatoliy Kigel" userId="7432c6c4687b0a9c" providerId="LiveId" clId="{909702A4-D7D3-49E8-8D6B-EFAA5350E315}" dt="2021-12-24T13:22:51.680" v="32" actId="478"/>
+          <ac:spMkLst>
+            <pc:docMk/>
+            <pc:sldMk cId="3817691058" sldId="351"/>
+            <ac:spMk id="12" creationId="{00000000-0000-0000-0000-000000000000}"/>
+          </ac:spMkLst>
+        </pc:spChg>
+        <pc:picChg chg="del mod">
+          <ac:chgData name="Anatoliy Kigel" userId="7432c6c4687b0a9c" providerId="LiveId" clId="{909702A4-D7D3-49E8-8D6B-EFAA5350E315}" dt="2021-12-24T13:23:51.398" v="39" actId="21"/>
+          <ac:picMkLst>
+            <pc:docMk/>
+            <pc:sldMk cId="3817691058" sldId="351"/>
+            <ac:picMk id="2" creationId="{00000000-0000-0000-0000-000000000000}"/>
+          </ac:picMkLst>
+        </pc:picChg>
+        <pc:picChg chg="add">
+          <ac:chgData name="Anatoliy Kigel" userId="7432c6c4687b0a9c" providerId="LiveId" clId="{909702A4-D7D3-49E8-8D6B-EFAA5350E315}" dt="2021-12-24T13:24:18.489" v="40" actId="22"/>
+          <ac:picMkLst>
+            <pc:docMk/>
+            <pc:sldMk cId="3817691058" sldId="351"/>
+            <ac:picMk id="4" creationId="{6C200846-BC46-4526-B33D-C51B2ED2CD50}"/>
+          </ac:picMkLst>
+        </pc:picChg>
+      </pc:sldChg>
       <pc:sldChg chg="modSp mod">
         <pc:chgData name="Anatoliy Kigel" userId="7432c6c4687b0a9c" providerId="LiveId" clId="{909702A4-D7D3-49E8-8D6B-EFAA5350E315}" dt="2021-12-22T11:47:17.219" v="2" actId="20577"/>
         <pc:sldMkLst>
@@ -289,6 +367,13 @@
             <ac:spMk id="10" creationId="{00000000-0000-0000-0000-000000000000}"/>
           </ac:spMkLst>
         </pc:spChg>
+      </pc:sldChg>
+      <pc:sldChg chg="add">
+        <pc:chgData name="Anatoliy Kigel" userId="7432c6c4687b0a9c" providerId="LiveId" clId="{909702A4-D7D3-49E8-8D6B-EFAA5350E315}" dt="2021-12-24T13:24:36.057" v="45"/>
+        <pc:sldMkLst>
+          <pc:docMk/>
+          <pc:sldMk cId="2717058134" sldId="383"/>
+        </pc:sldMkLst>
       </pc:sldChg>
     </pc:docChg>
   </pc:docChgLst>
@@ -402,7 +487,7 @@
             <a:fld id="{85522811-C5C6-42D2-A409-F8556720C93F}" type="datetimeFigureOut">
               <a:rPr lang="uk-UA" smtClean="0"/>
               <a:pPr/>
-              <a:t>22.12.2021</a:t>
+              <a:t>24.12.2021</a:t>
             </a:fld>
             <a:endParaRPr lang="uk-UA"/>
           </a:p>
@@ -947,7 +1032,7 @@
             <a:fld id="{E6FC6B0D-6115-4D7C-8040-9C8E2349BB6E}" type="datetime1">
               <a:rPr lang="uk-UA" smtClean="0"/>
               <a:pPr/>
-              <a:t>22.12.2021</a:t>
+              <a:t>24.12.2021</a:t>
             </a:fld>
             <a:endParaRPr lang="uk-UA"/>
           </a:p>
@@ -1114,7 +1199,7 @@
             <a:fld id="{996367BA-0A39-4DE2-BFC3-D5290044365E}" type="datetime1">
               <a:rPr lang="uk-UA" smtClean="0"/>
               <a:pPr/>
-              <a:t>22.12.2021</a:t>
+              <a:t>24.12.2021</a:t>
             </a:fld>
             <a:endParaRPr lang="uk-UA"/>
           </a:p>
@@ -1291,7 +1376,7 @@
             <a:fld id="{1BD6A67F-6C29-47DC-AF8A-FDB3C787DF70}" type="datetime1">
               <a:rPr lang="uk-UA" smtClean="0"/>
               <a:pPr/>
-              <a:t>22.12.2021</a:t>
+              <a:t>24.12.2021</a:t>
             </a:fld>
             <a:endParaRPr lang="uk-UA"/>
           </a:p>
@@ -1458,7 +1543,7 @@
             <a:fld id="{1657D9C5-7FF1-434F-B56E-9BAD559744E9}" type="datetime1">
               <a:rPr lang="uk-UA" smtClean="0"/>
               <a:pPr/>
-              <a:t>22.12.2021</a:t>
+              <a:t>24.12.2021</a:t>
             </a:fld>
             <a:endParaRPr lang="uk-UA"/>
           </a:p>
@@ -1701,7 +1786,7 @@
             <a:fld id="{2CEB0FC9-DE63-476B-A1A9-BE934D9049F8}" type="datetime1">
               <a:rPr lang="uk-UA" smtClean="0"/>
               <a:pPr/>
-              <a:t>22.12.2021</a:t>
+              <a:t>24.12.2021</a:t>
             </a:fld>
             <a:endParaRPr lang="uk-UA"/>
           </a:p>
@@ -1986,7 +2071,7 @@
             <a:fld id="{F964460F-86E2-4DF6-9D0F-12F5005CF375}" type="datetime1">
               <a:rPr lang="uk-UA" smtClean="0"/>
               <a:pPr/>
-              <a:t>22.12.2021</a:t>
+              <a:t>24.12.2021</a:t>
             </a:fld>
             <a:endParaRPr lang="uk-UA"/>
           </a:p>
@@ -2405,7 +2490,7 @@
             <a:fld id="{C521715E-DDCD-4267-B0A5-2918B6F6768A}" type="datetime1">
               <a:rPr lang="uk-UA" smtClean="0"/>
               <a:pPr/>
-              <a:t>22.12.2021</a:t>
+              <a:t>24.12.2021</a:t>
             </a:fld>
             <a:endParaRPr lang="uk-UA"/>
           </a:p>
@@ -2520,7 +2605,7 @@
             <a:fld id="{9289842C-EB2D-4EBB-A272-2F6A49D9794D}" type="datetime1">
               <a:rPr lang="uk-UA" smtClean="0"/>
               <a:pPr/>
-              <a:t>22.12.2021</a:t>
+              <a:t>24.12.2021</a:t>
             </a:fld>
             <a:endParaRPr lang="uk-UA"/>
           </a:p>
@@ -2612,7 +2697,7 @@
             <a:fld id="{D036F091-B700-4B52-99AC-85D0FD94D904}" type="datetime1">
               <a:rPr lang="uk-UA" smtClean="0"/>
               <a:pPr/>
-              <a:t>22.12.2021</a:t>
+              <a:t>24.12.2021</a:t>
             </a:fld>
             <a:endParaRPr lang="uk-UA"/>
           </a:p>
@@ -2886,7 +2971,7 @@
             <a:fld id="{B35DFABA-3811-4634-B803-2EAC4CD0063B}" type="datetime1">
               <a:rPr lang="uk-UA" smtClean="0"/>
               <a:pPr/>
-              <a:t>22.12.2021</a:t>
+              <a:t>24.12.2021</a:t>
             </a:fld>
             <a:endParaRPr lang="uk-UA"/>
           </a:p>
@@ -3136,7 +3221,7 @@
             <a:fld id="{8A9EA25E-F88E-463A-A119-D1E55A881002}" type="datetime1">
               <a:rPr lang="uk-UA" smtClean="0"/>
               <a:pPr/>
-              <a:t>22.12.2021</a:t>
+              <a:t>24.12.2021</a:t>
             </a:fld>
             <a:endParaRPr lang="uk-UA"/>
           </a:p>
@@ -3346,7 +3431,7 @@
             <a:fld id="{E708ED03-0080-49A2-B709-7DA4ACB3A1C3}" type="datetime1">
               <a:rPr lang="uk-UA" smtClean="0"/>
               <a:pPr/>
-              <a:t>22.12.2021</a:t>
+              <a:t>24.12.2021</a:t>
             </a:fld>
             <a:endParaRPr lang="uk-UA"/>
           </a:p>
@@ -5898,14 +5983,7 @@
             <a:pPr algn="ctr"/>
             <a:r>
               <a:rPr lang="ru-RU" sz="6600" b="1" dirty="0"/>
-              <a:t>К следующему </a:t>
-            </a:r>
-          </a:p>
-          <a:p>
-            <a:pPr algn="ctr"/>
-            <a:r>
-              <a:rPr lang="ru-RU" sz="6600" b="1" dirty="0"/>
-              <a:t>занятию…</a:t>
+              <a:t>На следующем занятии</a:t>
             </a:r>
             <a:endParaRPr lang="uk-UA" sz="6600" b="1" dirty="0"/>
           </a:p>
@@ -5914,7 +5992,7 @@
     </p:spTree>
     <p:extLst>
       <p:ext uri="{BB962C8B-B14F-4D97-AF65-F5344CB8AC3E}">
-        <p14:creationId xmlns:p14="http://schemas.microsoft.com/office/powerpoint/2010/main" val="84322468"/>
+        <p14:creationId xmlns:p14="http://schemas.microsoft.com/office/powerpoint/2010/main" val="2717058134"/>
       </p:ext>
     </p:extLst>
   </p:cSld>
@@ -5927,6 +6005,14 @@
 <file path=ppt/slides/slide19.xml><?xml version="1.0" encoding="utf-8"?>
 <p:sld xmlns:a="http://schemas.openxmlformats.org/drawingml/2006/main" xmlns:r="http://schemas.openxmlformats.org/officeDocument/2006/relationships" xmlns:p="http://schemas.openxmlformats.org/presentationml/2006/main">
   <p:cSld>
+    <p:bg>
+      <p:bgPr>
+        <a:solidFill>
+          <a:srgbClr val="0A3F63"/>
+        </a:solidFill>
+        <a:effectLst/>
+      </p:bgPr>
+    </p:bg>
     <p:spTree>
       <p:nvGrpSpPr>
         <p:cNvPr id="1" name=""/>
@@ -6011,50 +6097,52 @@
           </a:p>
         </p:txBody>
       </p:sp>
-      <p:sp>
-        <p:nvSpPr>
-          <p:cNvPr id="9" name="Прямоугольник 8"/>
-          <p:cNvSpPr/>
+      <p:pic>
+        <p:nvPicPr>
+          <p:cNvPr id="4" name="Рисунок 3">
+            <a:extLst>
+              <a:ext uri="{FF2B5EF4-FFF2-40B4-BE49-F238E27FC236}">
+                <a16:creationId xmlns:a16="http://schemas.microsoft.com/office/drawing/2014/main" id="{6C200846-BC46-4526-B33D-C51B2ED2CD50}"/>
+              </a:ext>
+            </a:extLst>
+          </p:cNvPr>
+          <p:cNvPicPr>
+            <a:picLocks noChangeAspect="1"/>
+          </p:cNvPicPr>
           <p:nvPr/>
-        </p:nvSpPr>
-        <p:spPr>
-          <a:xfrm>
-            <a:off x="0" y="548680"/>
-            <a:ext cx="12192000" cy="600164"/>
+        </p:nvPicPr>
+        <p:blipFill>
+          <a:blip r:embed="rId2"/>
+          <a:stretch>
+            <a:fillRect/>
+          </a:stretch>
+        </p:blipFill>
+        <p:spPr>
+          <a:xfrm>
+            <a:off x="752475" y="1238250"/>
+            <a:ext cx="10687050" cy="4381500"/>
           </a:xfrm>
           <a:prstGeom prst="rect">
             <a:avLst/>
           </a:prstGeom>
         </p:spPr>
-        <p:txBody>
-          <a:bodyPr wrap="square">
-            <a:spAutoFit/>
-          </a:bodyPr>
-          <a:lstStyle/>
-          <a:p>
-            <a:pPr algn="ctr"/>
-            <a:r>
-              <a:rPr lang="en-US" sz="3300" b="1" dirty="0"/>
-              <a:t>CSS transition – </a:t>
-            </a:r>
-            <a:r>
-              <a:rPr lang="ru-RU" sz="3300" b="1" dirty="0"/>
-              <a:t>анимация переходов</a:t>
-            </a:r>
-            <a:endParaRPr lang="ru-RU" sz="3300" i="1" dirty="0"/>
-          </a:p>
-        </p:txBody>
-      </p:sp>
-      <p:sp>
-        <p:nvSpPr>
-          <p:cNvPr id="10" name="TextBox 9"/>
+      </p:pic>
+      <p:sp>
+        <p:nvSpPr>
+          <p:cNvPr id="5" name="TextBox 4">
+            <a:extLst>
+              <a:ext uri="{FF2B5EF4-FFF2-40B4-BE49-F238E27FC236}">
+                <a16:creationId xmlns:a16="http://schemas.microsoft.com/office/drawing/2014/main" id="{7EC14DF4-9E6D-42B8-9BD5-9EE442ED248E}"/>
+              </a:ext>
+            </a:extLst>
+          </p:cNvPr>
           <p:cNvSpPr txBox="1"/>
           <p:nvPr/>
         </p:nvSpPr>
         <p:spPr>
           <a:xfrm>
-            <a:off x="8184232" y="1741762"/>
-            <a:ext cx="3240360" cy="3046988"/>
+            <a:off x="0" y="725795"/>
+            <a:ext cx="12192000" cy="830997"/>
           </a:xfrm>
           <a:prstGeom prst="rect">
             <a:avLst/>
@@ -6067,29 +6155,26 @@
           </a:bodyPr>
           <a:lstStyle/>
           <a:p>
-            <a:r>
-              <a:rPr lang="ru-RU" sz="2400" b="1" dirty="0">
-                <a:solidFill>
-                  <a:srgbClr val="7030A0"/>
+            <a:pPr algn="ctr"/>
+            <a:r>
+              <a:rPr lang="ru-RU" sz="4800" b="1" dirty="0">
+                <a:solidFill>
+                  <a:schemeClr val="bg1"/>
                 </a:solidFill>
               </a:rPr>
-              <a:t>Предварительные знания – лучший помощник</a:t>
-            </a:r>
-            <a:r>
-              <a:rPr lang="ru-RU" sz="2400" dirty="0"/>
-              <a:t> в обучении, поэтому к следующему занятию жду, что </a:t>
-            </a:r>
-            <a:r>
-              <a:rPr lang="ru-RU" sz="2400" b="1" dirty="0">
-                <a:solidFill>
-                  <a:srgbClr val="00B050"/>
+              <a:t>Анимация переходов в </a:t>
+            </a:r>
+            <a:r>
+              <a:rPr lang="en-US" sz="4800" b="1" dirty="0">
+                <a:solidFill>
+                  <a:schemeClr val="bg1"/>
                 </a:solidFill>
               </a:rPr>
-              <a:t>посмотрите небольшой ролик о анимации переходов.</a:t>
-            </a:r>
-            <a:endParaRPr lang="uk-UA" sz="2400" dirty="0">
+              <a:t>CSS</a:t>
+            </a:r>
+            <a:endParaRPr lang="uk-UA" sz="4800" b="1" dirty="0">
               <a:solidFill>
-                <a:srgbClr val="00B050"/>
+                <a:schemeClr val="bg1"/>
               </a:solidFill>
             </a:endParaRPr>
           </a:p>
@@ -6097,84 +6182,61 @@
       </p:sp>
       <p:sp>
         <p:nvSpPr>
-          <p:cNvPr id="12" name="Прямоугольник 11"/>
-          <p:cNvSpPr/>
+          <p:cNvPr id="11" name="TextBox 10">
+            <a:extLst>
+              <a:ext uri="{FF2B5EF4-FFF2-40B4-BE49-F238E27FC236}">
+                <a16:creationId xmlns:a16="http://schemas.microsoft.com/office/drawing/2014/main" id="{7C2FD737-DF63-4270-BD53-CEB40454B360}"/>
+              </a:ext>
+            </a:extLst>
+          </p:cNvPr>
+          <p:cNvSpPr txBox="1"/>
           <p:nvPr/>
         </p:nvSpPr>
         <p:spPr>
           <a:xfrm>
-            <a:off x="0" y="5652537"/>
-            <a:ext cx="12191999" cy="584775"/>
+            <a:off x="335360" y="5229200"/>
+            <a:ext cx="12192000" cy="707886"/>
           </a:xfrm>
           <a:prstGeom prst="rect">
             <a:avLst/>
           </a:prstGeom>
-        </p:spPr>
-        <p:txBody>
-          <a:bodyPr wrap="square">
+          <a:noFill/>
+        </p:spPr>
+        <p:txBody>
+          <a:bodyPr wrap="square" rtlCol="0">
             <a:spAutoFit/>
           </a:bodyPr>
           <a:lstStyle/>
           <a:p>
             <a:pPr algn="ctr"/>
             <a:r>
-              <a:rPr lang="ru-RU" sz="3200" b="1" dirty="0">
-                <a:hlinkClick r:id="rId2"/>
+              <a:rPr lang="ru-RU" sz="4000" b="1" dirty="0">
+                <a:solidFill>
+                  <a:schemeClr val="bg1"/>
+                </a:solidFill>
               </a:rPr>
-              <a:t>https://youtu.be/Nloq6uzF8RQ</a:t>
-            </a:r>
-            <a:endParaRPr lang="ru-RU" sz="3200" b="1" dirty="0"/>
-          </a:p>
-        </p:txBody>
-      </p:sp>
-      <p:pic>
-        <p:nvPicPr>
-          <p:cNvPr id="2" name="Picture 2" descr="CSS-анимации: Transitions и Animations. Motion Path Module CSS"/>
-          <p:cNvPicPr>
-            <a:picLocks noChangeAspect="1" noChangeArrowheads="1"/>
-          </p:cNvPicPr>
-          <p:nvPr/>
-        </p:nvPicPr>
-        <p:blipFill rotWithShape="1">
-          <a:blip r:embed="rId3">
-            <a:extLst>
-              <a:ext uri="{28A0092B-C50C-407E-A947-70E740481C1C}">
-                <a14:useLocalDpi xmlns:a14="http://schemas.microsoft.com/office/drawing/2010/main" val="0"/>
-              </a:ext>
-            </a:extLst>
-          </a:blip>
-          <a:srcRect l="11458" r="12500"/>
-          <a:stretch/>
-        </p:blipFill>
-        <p:spPr bwMode="auto">
-          <a:xfrm>
-            <a:off x="767408" y="1844824"/>
-            <a:ext cx="6912768" cy="2840864"/>
-          </a:xfrm>
-          <a:prstGeom prst="rect">
-            <a:avLst/>
-          </a:prstGeom>
-          <a:ln>
-            <a:noFill/>
-          </a:ln>
-          <a:effectLst>
-            <a:outerShdw blurRad="190500" algn="tl" rotWithShape="0">
-              <a:srgbClr val="000000">
-                <a:alpha val="70000"/>
-              </a:srgbClr>
-            </a:outerShdw>
-          </a:effectLst>
-          <a:extLst>
-            <a:ext uri="{909E8E84-426E-40DD-AFC4-6F175D3DCCD1}">
-              <a14:hiddenFill xmlns:a14="http://schemas.microsoft.com/office/drawing/2010/main">
-                <a:solidFill>
-                  <a:srgbClr val="FFFFFF"/>
-                </a:solidFill>
-              </a14:hiddenFill>
-            </a:ext>
-          </a:extLst>
-        </p:spPr>
-      </p:pic>
+              <a:t>и построение </a:t>
+            </a:r>
+            <a:r>
+              <a:rPr lang="ru-RU" sz="4000" b="1" dirty="0">
+                <a:solidFill>
+                  <a:schemeClr val="accent6">
+                    <a:lumMod val="75000"/>
+                  </a:schemeClr>
+                </a:solidFill>
+              </a:rPr>
+              <a:t>анимационных эффектов</a:t>
+            </a:r>
+            <a:endParaRPr lang="uk-UA" sz="4000" b="1" dirty="0">
+              <a:solidFill>
+                <a:schemeClr val="accent6">
+                  <a:lumMod val="75000"/>
+                </a:schemeClr>
+              </a:solidFill>
+            </a:endParaRPr>
+          </a:p>
+        </p:txBody>
+      </p:sp>
     </p:spTree>
     <p:extLst>
       <p:ext uri="{BB962C8B-B14F-4D97-AF65-F5344CB8AC3E}">

--- a/lesson07.pptx
+++ b/lesson07.pptx
@@ -186,7 +186,7 @@
 <file path=ppt/revisionInfo.xml><?xml version="1.0" encoding="utf-8"?>
 <p1510:revInfo xmlns:a="http://schemas.openxmlformats.org/drawingml/2006/main" xmlns:r="http://schemas.openxmlformats.org/officeDocument/2006/relationships" xmlns:p1510="http://schemas.microsoft.com/office/powerpoint/2015/10/main">
   <p1510:revLst>
-    <p1510:client id="{909702A4-D7D3-49E8-8D6B-EFAA5350E315}" v="11" dt="2021-12-24T13:25:09.338"/>
+    <p1510:client id="{909702A4-D7D3-49E8-8D6B-EFAA5350E315}" v="12" dt="2021-12-25T07:53:52.764"/>
   </p1510:revLst>
 </p1510:revInfo>
 </file>
@@ -279,7 +279,7 @@
   <pc:docChgLst>
     <pc:chgData name="Anatoliy Kigel" userId="7432c6c4687b0a9c" providerId="LiveId" clId="{909702A4-D7D3-49E8-8D6B-EFAA5350E315}"/>
     <pc:docChg chg="undo custSel addSld delSld modSld modSection">
-      <pc:chgData name="Anatoliy Kigel" userId="7432c6c4687b0a9c" providerId="LiveId" clId="{909702A4-D7D3-49E8-8D6B-EFAA5350E315}" dt="2021-12-24T13:25:46.835" v="163" actId="207"/>
+      <pc:chgData name="Anatoliy Kigel" userId="7432c6c4687b0a9c" providerId="LiveId" clId="{909702A4-D7D3-49E8-8D6B-EFAA5350E315}" dt="2021-12-25T07:53:54.047" v="166" actId="6549"/>
       <pc:docMkLst>
         <pc:docMk/>
       </pc:docMkLst>
@@ -354,6 +354,21 @@
         </pc:picChg>
       </pc:sldChg>
       <pc:sldChg chg="modSp mod">
+        <pc:chgData name="Anatoliy Kigel" userId="7432c6c4687b0a9c" providerId="LiveId" clId="{909702A4-D7D3-49E8-8D6B-EFAA5350E315}" dt="2021-12-25T07:53:54.047" v="166" actId="6549"/>
+        <pc:sldMkLst>
+          <pc:docMk/>
+          <pc:sldMk cId="2455653677" sldId="353"/>
+        </pc:sldMkLst>
+        <pc:spChg chg="mod">
+          <ac:chgData name="Anatoliy Kigel" userId="7432c6c4687b0a9c" providerId="LiveId" clId="{909702A4-D7D3-49E8-8D6B-EFAA5350E315}" dt="2021-12-25T07:53:54.047" v="166" actId="6549"/>
+          <ac:spMkLst>
+            <pc:docMk/>
+            <pc:sldMk cId="2455653677" sldId="353"/>
+            <ac:spMk id="7" creationId="{00000000-0000-0000-0000-000000000000}"/>
+          </ac:spMkLst>
+        </pc:spChg>
+      </pc:sldChg>
+      <pc:sldChg chg="modSp mod">
         <pc:chgData name="Anatoliy Kigel" userId="7432c6c4687b0a9c" providerId="LiveId" clId="{909702A4-D7D3-49E8-8D6B-EFAA5350E315}" dt="2021-12-22T11:47:17.219" v="2" actId="20577"/>
         <pc:sldMkLst>
           <pc:docMk/>
@@ -487,7 +502,7 @@
             <a:fld id="{85522811-C5C6-42D2-A409-F8556720C93F}" type="datetimeFigureOut">
               <a:rPr lang="uk-UA" smtClean="0"/>
               <a:pPr/>
-              <a:t>24.12.2021</a:t>
+              <a:t>25.12.2021</a:t>
             </a:fld>
             <a:endParaRPr lang="uk-UA"/>
           </a:p>
@@ -1032,7 +1047,7 @@
             <a:fld id="{E6FC6B0D-6115-4D7C-8040-9C8E2349BB6E}" type="datetime1">
               <a:rPr lang="uk-UA" smtClean="0"/>
               <a:pPr/>
-              <a:t>24.12.2021</a:t>
+              <a:t>25.12.2021</a:t>
             </a:fld>
             <a:endParaRPr lang="uk-UA"/>
           </a:p>
@@ -1199,7 +1214,7 @@
             <a:fld id="{996367BA-0A39-4DE2-BFC3-D5290044365E}" type="datetime1">
               <a:rPr lang="uk-UA" smtClean="0"/>
               <a:pPr/>
-              <a:t>24.12.2021</a:t>
+              <a:t>25.12.2021</a:t>
             </a:fld>
             <a:endParaRPr lang="uk-UA"/>
           </a:p>
@@ -1376,7 +1391,7 @@
             <a:fld id="{1BD6A67F-6C29-47DC-AF8A-FDB3C787DF70}" type="datetime1">
               <a:rPr lang="uk-UA" smtClean="0"/>
               <a:pPr/>
-              <a:t>24.12.2021</a:t>
+              <a:t>25.12.2021</a:t>
             </a:fld>
             <a:endParaRPr lang="uk-UA"/>
           </a:p>
@@ -1543,7 +1558,7 @@
             <a:fld id="{1657D9C5-7FF1-434F-B56E-9BAD559744E9}" type="datetime1">
               <a:rPr lang="uk-UA" smtClean="0"/>
               <a:pPr/>
-              <a:t>24.12.2021</a:t>
+              <a:t>25.12.2021</a:t>
             </a:fld>
             <a:endParaRPr lang="uk-UA"/>
           </a:p>
@@ -1786,7 +1801,7 @@
             <a:fld id="{2CEB0FC9-DE63-476B-A1A9-BE934D9049F8}" type="datetime1">
               <a:rPr lang="uk-UA" smtClean="0"/>
               <a:pPr/>
-              <a:t>24.12.2021</a:t>
+              <a:t>25.12.2021</a:t>
             </a:fld>
             <a:endParaRPr lang="uk-UA"/>
           </a:p>
@@ -2071,7 +2086,7 @@
             <a:fld id="{F964460F-86E2-4DF6-9D0F-12F5005CF375}" type="datetime1">
               <a:rPr lang="uk-UA" smtClean="0"/>
               <a:pPr/>
-              <a:t>24.12.2021</a:t>
+              <a:t>25.12.2021</a:t>
             </a:fld>
             <a:endParaRPr lang="uk-UA"/>
           </a:p>
@@ -2490,7 +2505,7 @@
             <a:fld id="{C521715E-DDCD-4267-B0A5-2918B6F6768A}" type="datetime1">
               <a:rPr lang="uk-UA" smtClean="0"/>
               <a:pPr/>
-              <a:t>24.12.2021</a:t>
+              <a:t>25.12.2021</a:t>
             </a:fld>
             <a:endParaRPr lang="uk-UA"/>
           </a:p>
@@ -2605,7 +2620,7 @@
             <a:fld id="{9289842C-EB2D-4EBB-A272-2F6A49D9794D}" type="datetime1">
               <a:rPr lang="uk-UA" smtClean="0"/>
               <a:pPr/>
-              <a:t>24.12.2021</a:t>
+              <a:t>25.12.2021</a:t>
             </a:fld>
             <a:endParaRPr lang="uk-UA"/>
           </a:p>
@@ -2697,7 +2712,7 @@
             <a:fld id="{D036F091-B700-4B52-99AC-85D0FD94D904}" type="datetime1">
               <a:rPr lang="uk-UA" smtClean="0"/>
               <a:pPr/>
-              <a:t>24.12.2021</a:t>
+              <a:t>25.12.2021</a:t>
             </a:fld>
             <a:endParaRPr lang="uk-UA"/>
           </a:p>
@@ -2971,7 +2986,7 @@
             <a:fld id="{B35DFABA-3811-4634-B803-2EAC4CD0063B}" type="datetime1">
               <a:rPr lang="uk-UA" smtClean="0"/>
               <a:pPr/>
-              <a:t>24.12.2021</a:t>
+              <a:t>25.12.2021</a:t>
             </a:fld>
             <a:endParaRPr lang="uk-UA"/>
           </a:p>
@@ -3221,7 +3236,7 @@
             <a:fld id="{8A9EA25E-F88E-463A-A119-D1E55A881002}" type="datetime1">
               <a:rPr lang="uk-UA" smtClean="0"/>
               <a:pPr/>
-              <a:t>24.12.2021</a:t>
+              <a:t>25.12.2021</a:t>
             </a:fld>
             <a:endParaRPr lang="uk-UA"/>
           </a:p>
@@ -3431,7 +3446,7 @@
             <a:fld id="{E708ED03-0080-49A2-B709-7DA4ACB3A1C3}" type="datetime1">
               <a:rPr lang="uk-UA" smtClean="0"/>
               <a:pPr/>
-              <a:t>24.12.2021</a:t>
+              <a:t>25.12.2021</a:t>
             </a:fld>
             <a:endParaRPr lang="uk-UA"/>
           </a:p>
@@ -6401,7 +6416,13 @@
               <a:rPr lang="en-US" sz="2400" b="1" dirty="0">
                 <a:hlinkClick r:id="rId2"/>
               </a:rPr>
-              <a:t>https://github.com/filebase-xyz/flexbox/archive/refs/heads/templates.zip</a:t>
+              <a:t>https://github.com/filebase-xyz/flexbox/archive/refs/heads/master</a:t>
+            </a:r>
+            <a:r>
+              <a:rPr lang="en-US" sz="2400" b="1">
+                <a:hlinkClick r:id="rId2"/>
+              </a:rPr>
+              <a:t>.zip</a:t>
             </a:r>
             <a:endParaRPr lang="ru-RU" sz="2400" b="1" dirty="0"/>
           </a:p>

--- a/lesson07.pptx
+++ b/lesson07.pptx
@@ -279,7 +279,7 @@
   <pc:docChgLst>
     <pc:chgData name="Anatoliy Kigel" userId="7432c6c4687b0a9c" providerId="LiveId" clId="{909702A4-D7D3-49E8-8D6B-EFAA5350E315}"/>
     <pc:docChg chg="undo custSel addSld delSld modSld modSection">
-      <pc:chgData name="Anatoliy Kigel" userId="7432c6c4687b0a9c" providerId="LiveId" clId="{909702A4-D7D3-49E8-8D6B-EFAA5350E315}" dt="2021-12-25T07:53:54.047" v="166" actId="6549"/>
+      <pc:chgData name="Anatoliy Kigel" userId="7432c6c4687b0a9c" providerId="LiveId" clId="{909702A4-D7D3-49E8-8D6B-EFAA5350E315}" dt="2021-12-25T07:55:29.137" v="167" actId="478"/>
       <pc:docMkLst>
         <pc:docMk/>
       </pc:docMkLst>
@@ -291,7 +291,7 @@
         </pc:sldMkLst>
       </pc:sldChg>
       <pc:sldChg chg="addSp delSp modSp mod setBg">
-        <pc:chgData name="Anatoliy Kigel" userId="7432c6c4687b0a9c" providerId="LiveId" clId="{909702A4-D7D3-49E8-8D6B-EFAA5350E315}" dt="2021-12-24T13:25:46.835" v="163" actId="207"/>
+        <pc:chgData name="Anatoliy Kigel" userId="7432c6c4687b0a9c" providerId="LiveId" clId="{909702A4-D7D3-49E8-8D6B-EFAA5350E315}" dt="2021-12-25T07:55:29.137" v="167" actId="478"/>
         <pc:sldMkLst>
           <pc:docMk/>
           <pc:sldMk cId="3817691058" sldId="351"/>
@@ -302,6 +302,14 @@
             <pc:docMk/>
             <pc:sldMk cId="3817691058" sldId="351"/>
             <ac:spMk id="5" creationId="{7EC14DF4-9E6D-42B8-9BD5-9EE442ED248E}"/>
+          </ac:spMkLst>
+        </pc:spChg>
+        <pc:spChg chg="del">
+          <ac:chgData name="Anatoliy Kigel" userId="7432c6c4687b0a9c" providerId="LiveId" clId="{909702A4-D7D3-49E8-8D6B-EFAA5350E315}" dt="2021-12-25T07:55:29.137" v="167" actId="478"/>
+          <ac:spMkLst>
+            <pc:docMk/>
+            <pc:sldMk cId="3817691058" sldId="351"/>
+            <ac:spMk id="8" creationId="{00000000-0000-0000-0000-000000000000}"/>
           </ac:spMkLst>
         </pc:spChg>
         <pc:spChg chg="del mod">
@@ -6042,76 +6050,6 @@
           <a:chExt cx="0" cy="0"/>
         </a:xfrm>
       </p:grpSpPr>
-      <p:sp>
-        <p:nvSpPr>
-          <p:cNvPr id="8" name="Номер слайда 36"/>
-          <p:cNvSpPr txBox="1">
-            <a:spLocks/>
-          </p:cNvSpPr>
-          <p:nvPr/>
-        </p:nvSpPr>
-        <p:spPr>
-          <a:xfrm>
-            <a:off x="11280576" y="6165304"/>
-            <a:ext cx="648072" cy="432048"/>
-          </a:xfrm>
-          <a:prstGeom prst="roundRect">
-            <a:avLst/>
-          </a:prstGeom>
-          <a:ln w="25400" cap="flat" cmpd="sng" algn="ctr">
-            <a:solidFill>
-              <a:schemeClr val="tx2">
-                <a:lumMod val="60000"/>
-                <a:lumOff val="40000"/>
-              </a:schemeClr>
-            </a:solidFill>
-            <a:prstDash val="solid"/>
-          </a:ln>
-        </p:spPr>
-        <p:style>
-          <a:lnRef idx="2">
-            <a:schemeClr val="accent1"/>
-          </a:lnRef>
-          <a:fillRef idx="1">
-            <a:schemeClr val="lt1"/>
-          </a:fillRef>
-          <a:effectRef idx="0">
-            <a:schemeClr val="accent1"/>
-          </a:effectRef>
-          <a:fontRef idx="minor">
-            <a:schemeClr val="dk1"/>
-          </a:fontRef>
-        </p:style>
-        <p:txBody>
-          <a:bodyPr vert="horz" lIns="91440" tIns="45720" rIns="91440" bIns="45720" rtlCol="0" anchor="ctr"/>
-          <a:lstStyle/>
-          <a:p>
-            <a:pPr algn="ctr">
-              <a:defRPr/>
-            </a:pPr>
-            <a:fld id="{6389AA22-90B4-448C-8B6B-C699140D38B9}" type="slidenum">
-              <a:rPr lang="uk-UA" sz="2400" b="1">
-                <a:solidFill>
-                  <a:schemeClr val="bg1">
-                    <a:lumMod val="50000"/>
-                  </a:schemeClr>
-                </a:solidFill>
-              </a:rPr>
-              <a:pPr algn="ctr">
-                <a:defRPr/>
-              </a:pPr>
-              <a:t>19</a:t>
-            </a:fld>
-            <a:endParaRPr lang="uk-UA" sz="2400" b="1" dirty="0">
-              <a:solidFill>
-                <a:schemeClr val="bg1">
-                  <a:lumMod val="50000"/>
-                </a:schemeClr>
-              </a:solidFill>
-            </a:endParaRPr>
-          </a:p>
-        </p:txBody>
-      </p:sp>
       <p:pic>
         <p:nvPicPr>
           <p:cNvPr id="4" name="Рисунок 3">
